--- a/img/pin_map.pptx
+++ b/img/pin_map.pptx
@@ -8927,7 +8927,7 @@
           <a:p>
             <a:fld id="{6BAEC7DB-416E-4648-AE31-15D6F0A9A9FB}" type="datetimeFigureOut">
               <a:rPr lang="en-US" smtClean="0"/>
-              <a:t>8/28/2018</a:t>
+              <a:t>11/30/2018</a:t>
             </a:fld>
             <a:endParaRPr lang="en-US"/>
           </a:p>
@@ -9127,7 +9127,7 @@
           <a:p>
             <a:fld id="{6BAEC7DB-416E-4648-AE31-15D6F0A9A9FB}" type="datetimeFigureOut">
               <a:rPr lang="en-US" smtClean="0"/>
-              <a:t>8/28/2018</a:t>
+              <a:t>11/30/2018</a:t>
             </a:fld>
             <a:endParaRPr lang="en-US"/>
           </a:p>
@@ -9337,7 +9337,7 @@
           <a:p>
             <a:fld id="{6BAEC7DB-416E-4648-AE31-15D6F0A9A9FB}" type="datetimeFigureOut">
               <a:rPr lang="en-US" smtClean="0"/>
-              <a:t>8/28/2018</a:t>
+              <a:t>11/30/2018</a:t>
             </a:fld>
             <a:endParaRPr lang="en-US"/>
           </a:p>
@@ -9537,7 +9537,7 @@
           <a:p>
             <a:fld id="{6BAEC7DB-416E-4648-AE31-15D6F0A9A9FB}" type="datetimeFigureOut">
               <a:rPr lang="en-US" smtClean="0"/>
-              <a:t>8/28/2018</a:t>
+              <a:t>11/30/2018</a:t>
             </a:fld>
             <a:endParaRPr lang="en-US"/>
           </a:p>
@@ -9813,7 +9813,7 @@
           <a:p>
             <a:fld id="{6BAEC7DB-416E-4648-AE31-15D6F0A9A9FB}" type="datetimeFigureOut">
               <a:rPr lang="en-US" smtClean="0"/>
-              <a:t>8/28/2018</a:t>
+              <a:t>11/30/2018</a:t>
             </a:fld>
             <a:endParaRPr lang="en-US"/>
           </a:p>
@@ -10081,7 +10081,7 @@
           <a:p>
             <a:fld id="{6BAEC7DB-416E-4648-AE31-15D6F0A9A9FB}" type="datetimeFigureOut">
               <a:rPr lang="en-US" smtClean="0"/>
-              <a:t>8/28/2018</a:t>
+              <a:t>11/30/2018</a:t>
             </a:fld>
             <a:endParaRPr lang="en-US"/>
           </a:p>
@@ -10496,7 +10496,7 @@
           <a:p>
             <a:fld id="{6BAEC7DB-416E-4648-AE31-15D6F0A9A9FB}" type="datetimeFigureOut">
               <a:rPr lang="en-US" smtClean="0"/>
-              <a:t>8/28/2018</a:t>
+              <a:t>11/30/2018</a:t>
             </a:fld>
             <a:endParaRPr lang="en-US"/>
           </a:p>
@@ -10638,7 +10638,7 @@
           <a:p>
             <a:fld id="{6BAEC7DB-416E-4648-AE31-15D6F0A9A9FB}" type="datetimeFigureOut">
               <a:rPr lang="en-US" smtClean="0"/>
-              <a:t>8/28/2018</a:t>
+              <a:t>11/30/2018</a:t>
             </a:fld>
             <a:endParaRPr lang="en-US"/>
           </a:p>
@@ -10751,7 +10751,7 @@
           <a:p>
             <a:fld id="{6BAEC7DB-416E-4648-AE31-15D6F0A9A9FB}" type="datetimeFigureOut">
               <a:rPr lang="en-US" smtClean="0"/>
-              <a:t>8/28/2018</a:t>
+              <a:t>11/30/2018</a:t>
             </a:fld>
             <a:endParaRPr lang="en-US"/>
           </a:p>
@@ -11064,7 +11064,7 @@
           <a:p>
             <a:fld id="{6BAEC7DB-416E-4648-AE31-15D6F0A9A9FB}" type="datetimeFigureOut">
               <a:rPr lang="en-US" smtClean="0"/>
-              <a:t>8/28/2018</a:t>
+              <a:t>11/30/2018</a:t>
             </a:fld>
             <a:endParaRPr lang="en-US"/>
           </a:p>
@@ -11353,7 +11353,7 @@
           <a:p>
             <a:fld id="{6BAEC7DB-416E-4648-AE31-15D6F0A9A9FB}" type="datetimeFigureOut">
               <a:rPr lang="en-US" smtClean="0"/>
-              <a:t>8/28/2018</a:t>
+              <a:t>11/30/2018</a:t>
             </a:fld>
             <a:endParaRPr lang="en-US"/>
           </a:p>
@@ -11596,7 +11596,7 @@
           <a:p>
             <a:fld id="{6BAEC7DB-416E-4648-AE31-15D6F0A9A9FB}" type="datetimeFigureOut">
               <a:rPr lang="en-US" smtClean="0"/>
-              <a:t>8/28/2018</a:t>
+              <a:t>11/30/2018</a:t>
             </a:fld>
             <a:endParaRPr lang="en-US"/>
           </a:p>
@@ -13002,7 +13002,7 @@
                 <a:ea typeface="Microsoft JhengHei Light" panose="020B0304030504040204" pitchFamily="34" charset="-120"/>
                 <a:cs typeface="Leelawadee UI" panose="020B0502040204020203" pitchFamily="34" charset="-34"/>
               </a:rPr>
-              <a:t>VCC: you can use 5V or 3.3V for this module</a:t>
+              <a:t>VCC: you can use 5V for this module</a:t>
             </a:r>
           </a:p>
           <a:p>
